--- a/suhaa.pptx
+++ b/suhaa.pptx
@@ -3379,37 +3379,40 @@
               <a:t>suha</a:t>
             </a:r>
             <a:br>
-              <a:rPr lang="en-IN"/>
+              <a:rPr lang="en-IN" dirty="0"/>
             </a:br>
             <a:br>
+              <a:rPr lang="en-IN" dirty="0"/>
+            </a:br>
+            <a:endParaRPr lang="en-IN" dirty="0"/>
+          </a:p>
+        </p:txBody>
+      </p:sp>
+      <p:sp>
+        <p:nvSpPr>
+          <p:cNvPr id="3" name="Subtitle 2">
+            <a:extLst>
+              <a:ext uri="{FF2B5EF4-FFF2-40B4-BE49-F238E27FC236}">
+                <a16:creationId xmlns:a16="http://schemas.microsoft.com/office/drawing/2014/main" id="{9539CC37-FAF8-70EA-A13C-FCEEDA4A10C2}"/>
+              </a:ext>
+            </a:extLst>
+          </p:cNvPr>
+          <p:cNvSpPr>
+            <a:spLocks noGrp="1"/>
+          </p:cNvSpPr>
+          <p:nvPr>
+            <p:ph type="subTitle" idx="1"/>
+          </p:nvPr>
+        </p:nvSpPr>
+        <p:spPr/>
+        <p:txBody>
+          <a:bodyPr/>
+          <a:lstStyle/>
+          <a:p>
+            <a:r>
               <a:rPr lang="en-IN"/>
-            </a:br>
-            <a:endParaRPr lang="en-IN"/>
-          </a:p>
-        </p:txBody>
-      </p:sp>
-      <p:sp>
-        <p:nvSpPr>
-          <p:cNvPr id="3" name="Subtitle 2">
-            <a:extLst>
-              <a:ext uri="{FF2B5EF4-FFF2-40B4-BE49-F238E27FC236}">
-                <a16:creationId xmlns:a16="http://schemas.microsoft.com/office/drawing/2014/main" id="{9539CC37-FAF8-70EA-A13C-FCEEDA4A10C2}"/>
-              </a:ext>
-            </a:extLst>
-          </p:cNvPr>
-          <p:cNvSpPr>
-            <a:spLocks noGrp="1"/>
-          </p:cNvSpPr>
-          <p:nvPr>
-            <p:ph type="subTitle" idx="1"/>
-          </p:nvPr>
-        </p:nvSpPr>
-        <p:spPr/>
-        <p:txBody>
-          <a:bodyPr/>
-          <a:lstStyle/>
-          <a:p>
-            <a:endParaRPr lang="en-IN"/>
+              <a:t>25cdr107</a:t>
+            </a:r>
           </a:p>
         </p:txBody>
       </p:sp>
